--- a/presentation/craigbuckler-pdf-html.pptx
+++ b/presentation/craigbuckler-pdf-html.pptx
@@ -228,7 +228,7 @@
           <a:p>
             <a:fld id="{C76FB86B-C2AE-46D2-B88A-1F2A05A31980}" type="datetimeFigureOut">
               <a:rPr lang="en-GB" smtClean="0"/>
-              <a:t>08/08/2018</a:t>
+              <a:t>11/09/2018</a:t>
             </a:fld>
             <a:endParaRPr lang="en-GB"/>
           </a:p>

--- a/presentation/craigbuckler-pdf-html.pptx
+++ b/presentation/craigbuckler-pdf-html.pptx
@@ -228,7 +228,7 @@
           <a:p>
             <a:fld id="{C76FB86B-C2AE-46D2-B88A-1F2A05A31980}" type="datetimeFigureOut">
               <a:rPr lang="en-GB" smtClean="0"/>
-              <a:t>11/09/2018</a:t>
+              <a:t>24/04/2019</a:t>
             </a:fld>
             <a:endParaRPr lang="en-GB"/>
           </a:p>
@@ -564,26 +564,53 @@
             <a:endParaRPr lang="en-GB" dirty="0"/>
           </a:p>
           <a:p>
-            <a:pPr marL="0" marR="0" lvl="0" indent="0" algn="l" defTabSz="914400" rtl="0" eaLnBrk="1" fontAlgn="auto" latinLnBrk="0" hangingPunct="1">
-              <a:lnSpc>
-                <a:spcPct val="100000"/>
-              </a:lnSpc>
-              <a:spcBef>
-                <a:spcPts val="0"/>
-              </a:spcBef>
-              <a:spcAft>
-                <a:spcPts val="0"/>
-              </a:spcAft>
-              <a:buClrTx/>
-              <a:buSzTx/>
-              <a:buFontTx/>
-              <a:buNone/>
-              <a:tabLst/>
-              <a:defRPr/>
-            </a:pPr>
-            <a:r>
-              <a:rPr lang="en-GB" dirty="0"/>
-              <a:t>but you won't see any self-promotion or subliminal advertising in this presentation</a:t>
+            <a:r>
+              <a:rPr lang="en-GB" dirty="0"/>
+              <a:t>A couple of apologies:</a:t>
+            </a:r>
+          </a:p>
+          <a:p>
+            <a:r>
+              <a:rPr lang="en-GB" dirty="0"/>
+              <a:t>This is a talk I gave </a:t>
+            </a:r>
+            <a:r>
+              <a:rPr lang="en-GB" dirty="0" err="1"/>
+              <a:t>TechExeter</a:t>
+            </a:r>
+            <a:r>
+              <a:rPr lang="en-GB" dirty="0"/>
+              <a:t> last year which I’ve adapted within the past 24 hours</a:t>
+            </a:r>
+          </a:p>
+          <a:p>
+            <a:r>
+              <a:rPr lang="en-GB" dirty="0"/>
+              <a:t>It’s a bit rough and ready</a:t>
+            </a:r>
+          </a:p>
+          <a:p>
+            <a:endParaRPr lang="en-GB" dirty="0"/>
+          </a:p>
+          <a:p>
+            <a:r>
+              <a:rPr lang="en-GB" dirty="0"/>
+              <a:t>I apologise that I’m on in the design track</a:t>
+            </a:r>
+          </a:p>
+          <a:p>
+            <a:r>
+              <a:rPr lang="en-GB" dirty="0"/>
+              <a:t>but most of us developers are frustrated designers</a:t>
+            </a:r>
+          </a:p>
+          <a:p>
+            <a:endParaRPr lang="en-GB" dirty="0"/>
+          </a:p>
+          <a:p>
+            <a:r>
+              <a:rPr lang="en-GB" dirty="0"/>
+              <a:t>Enough about me because you’re not going to see any self-promotion or subliminal advertising in this presentation</a:t>
             </a:r>
           </a:p>
           <a:p>
@@ -2386,7 +2413,7 @@
             </a:pPr>
             <a:r>
               <a:rPr lang="en-GB" dirty="0"/>
-              <a:t>I’ll keep you excited by mentioning Blockchain and serverless every few minutes.</a:t>
+              <a:t>I’ll keep you excited by mentioning Blockchain and AI every few minutes.</a:t>
             </a:r>
           </a:p>
           <a:p>
@@ -2598,7 +2625,7 @@
           <a:p>
             <a:r>
               <a:rPr lang="en-GB" dirty="0"/>
-              <a:t>I should just get over it.</a:t>
+              <a:t>And their decision should never be questioned.</a:t>
             </a:r>
           </a:p>
         </p:txBody>
@@ -3089,7 +3116,7 @@
             </a:pPr>
             <a:r>
               <a:rPr lang="en-GB" dirty="0"/>
-              <a:t>We’re all curious about technology. And data. And serverless. And blockchain.</a:t>
+              <a:t>We’re all curious about technology. And design. And UX.</a:t>
             </a:r>
           </a:p>
           <a:p>
@@ -3287,13 +3314,8 @@
             </a:pPr>
             <a:r>
               <a:rPr lang="en-GB" dirty="0"/>
-              <a:t>They’ve got important jobs and are far </a:t>
-            </a:r>
-            <a:r>
-              <a:rPr lang="en-GB"/>
-              <a:t>too busy.</a:t>
-            </a:r>
-            <a:endParaRPr lang="en-GB" dirty="0"/>
+              <a:t>They’ve got important jobs and are far too busy.</a:t>
+            </a:r>
           </a:p>
           <a:p>
             <a:pPr marL="0" marR="0" lvl="0" indent="0" algn="l" defTabSz="914400" rtl="0" eaLnBrk="1" fontAlgn="auto" latinLnBrk="0" hangingPunct="1">
@@ -3727,7 +3749,7 @@
           <a:p>
             <a:r>
               <a:rPr lang="en-GB" dirty="0"/>
-              <a:t>The first is what most developers use … because you don’t need to really do anything.</a:t>
+              <a:t>The first is what most people use … because you don’t need to really do anything.</a:t>
             </a:r>
           </a:p>
           <a:p>
@@ -5222,20 +5244,12 @@
               <a:buNone/>
             </a:pPr>
             <a:r>
-              <a:rPr lang="en-GB" b="1" dirty="0" err="1">
-                <a:solidFill>
-                  <a:schemeClr val="accent4"/>
-                </a:solidFill>
-              </a:rPr>
-              <a:t>TechExeter</a:t>
-            </a:r>
-            <a:r>
               <a:rPr lang="en-GB" b="1" dirty="0">
                 <a:solidFill>
                   <a:schemeClr val="accent4"/>
                 </a:solidFill>
               </a:rPr>
-              <a:t> 2018</a:t>
+              <a:t>Future Sync 2019</a:t>
             </a:r>
           </a:p>
           <a:p>
@@ -8931,12 +8945,12 @@
               <a:buNone/>
             </a:pPr>
             <a:r>
-              <a:rPr lang="en-GB" b="1" dirty="0" err="1">
+              <a:rPr lang="en-GB" b="1">
                 <a:solidFill>
                   <a:schemeClr val="accent4"/>
                 </a:solidFill>
               </a:rPr>
-              <a:t>TechExeter</a:t>
+              <a:t>Future Sync </a:t>
             </a:r>
             <a:r>
               <a:rPr lang="en-GB" b="1" dirty="0">
@@ -8944,7 +8958,7 @@
                   <a:schemeClr val="accent4"/>
                 </a:solidFill>
               </a:rPr>
-              <a:t> 2018</a:t>
+              <a:t>2019</a:t>
             </a:r>
           </a:p>
           <a:p>
